--- a/مستوى 9/ادارة المشاريع الهندسية هات 213-442/Lecture 7.pptx
+++ b/مستوى 9/ادارة المشاريع الهندسية هات 213-442/Lecture 7.pptx
@@ -5,10 +5,10 @@
     <p:sldMasterId id="2147483672" r:id="rId1"/>
   </p:sldMasterIdLst>
   <p:notesMasterIdLst>
-    <p:notesMasterId r:id="rId20"/>
+    <p:notesMasterId r:id="rId23"/>
   </p:notesMasterIdLst>
   <p:handoutMasterIdLst>
-    <p:handoutMasterId r:id="rId21"/>
+    <p:handoutMasterId r:id="rId24"/>
   </p:handoutMasterIdLst>
   <p:sldIdLst>
     <p:sldId id="256" r:id="rId2"/>
@@ -27,8 +27,11 @@
     <p:sldId id="300" r:id="rId15"/>
     <p:sldId id="301" r:id="rId16"/>
     <p:sldId id="302" r:id="rId17"/>
-    <p:sldId id="303" r:id="rId18"/>
-    <p:sldId id="304" r:id="rId19"/>
+    <p:sldId id="305" r:id="rId18"/>
+    <p:sldId id="303" r:id="rId19"/>
+    <p:sldId id="306" r:id="rId20"/>
+    <p:sldId id="304" r:id="rId21"/>
+    <p:sldId id="307" r:id="rId22"/>
   </p:sldIdLst>
   <p:sldSz cx="9906000" cy="6858000" type="A4"/>
   <p:notesSz cx="6858000" cy="9144000"/>
@@ -176,10 +179,6 @@
 </p:presentation>
 </file>
 
-<file path=ppt/revisionInfo.xml><?xml version="1.0" encoding="utf-8"?>
-<p1510:revInfo xmlns:a="http://schemas.openxmlformats.org/drawingml/2006/main" xmlns:r="http://schemas.openxmlformats.org/officeDocument/2006/relationships" xmlns:p1510="http://schemas.microsoft.com/office/powerpoint/2015/10/main"/>
-</file>
-
 <file path=ppt/handoutMasters/handoutMaster1.xml><?xml version="1.0" encoding="utf-8"?>
 <p:handoutMaster xmlns:a="http://schemas.openxmlformats.org/drawingml/2006/main" xmlns:r="http://schemas.openxmlformats.org/officeDocument/2006/relationships" xmlns:p="http://schemas.openxmlformats.org/presentationml/2006/main">
   <p:cSld>
@@ -286,7 +285,7 @@
               <a:pPr>
                 <a:defRPr/>
               </a:pPr>
-              <a:t>17 أيلول، 18</a:t>
+              <a:t>16 شباط، 23</a:t>
             </a:fld>
             <a:endParaRPr lang="en-US"/>
           </a:p>
@@ -500,7 +499,7 @@
               <a:pPr>
                 <a:defRPr/>
               </a:pPr>
-              <a:t>17 أيلول، 18</a:t>
+              <a:t>16 شباط، 23</a:t>
             </a:fld>
             <a:endParaRPr lang="en-US"/>
           </a:p>
@@ -2035,7 +2034,7 @@
       </p:grpSpPr>
       <p:sp>
         <p:nvSpPr>
-          <p:cNvPr id="49153" name="Slide Image Placeholder 1"/>
+          <p:cNvPr id="47105" name="Slide Image Placeholder 1"/>
           <p:cNvSpPr>
             <a:spLocks noGrp="1" noRot="1" noChangeAspect="1"/>
           </p:cNvSpPr>
@@ -2057,7 +2056,7 @@
       </p:sp>
       <p:sp>
         <p:nvSpPr>
-          <p:cNvPr id="49154" name="Notes Placeholder 2"/>
+          <p:cNvPr id="47106" name="Notes Placeholder 2"/>
           <p:cNvSpPr>
             <a:spLocks noGrp="1"/>
           </p:cNvSpPr>
@@ -2090,7 +2089,7 @@
               <a:rPr lang="en-US">
                 <a:cs typeface="Arial" charset="0"/>
               </a:rPr>
-              <a:t>Assume that the annual maintenance cost of a 10-passenger vehicle is</a:t>
+              <a:t>Assume that a motor’s mean time between failures and mean time to repair are</a:t>
             </a:r>
           </a:p>
           <a:p>
@@ -2099,7 +2098,7 @@
               <a:rPr lang="en-US">
                 <a:cs typeface="Arial" charset="0"/>
               </a:rPr>
-              <a:t>$1,000. Estimate the annual maintenance cost of a similar 20-passenger vehicle</a:t>
+              <a:t>1,000 hours and 5 hours, respectively. The estimated annual operating hours</a:t>
             </a:r>
           </a:p>
           <a:p>
@@ -2108,48 +2107,56 @@
               <a:rPr lang="en-US">
                 <a:cs typeface="Arial" charset="0"/>
               </a:rPr>
-              <a:t>if the value of the cost capacity factor is 0.7.</a:t>
+              <a:t>of the motor are 6,000 hours. Calculate the annual corrective maintenance</a:t>
             </a:r>
           </a:p>
           <a:p>
             <a:pPr algn="l" rtl="0"/>
             <a:r>
+              <a:rPr lang="en-US">
+                <a:cs typeface="Arial" charset="0"/>
+              </a:rPr>
+              <a:t>labor cost of the motor, if the hourly corrective maintenance labor rate is $30.</a:t>
+            </a:r>
+          </a:p>
+          <a:p>
+            <a:pPr algn="l" rtl="0"/>
+            <a:r>
+              <a:rPr lang="en-US">
+                <a:cs typeface="Arial" charset="0"/>
+              </a:rPr>
+              <a:t>By substituting the given data into (5.5), we get</a:t>
+            </a:r>
+          </a:p>
+          <a:p>
+            <a:pPr algn="l" rtl="0"/>
+            <a:r>
               <a:rPr lang="en-US" i="1">
-                <a:latin typeface="AGaramond-Italic"/>
                 <a:cs typeface="Arial" charset="0"/>
               </a:rPr>
-              <a:t>C </a:t>
-            </a:r>
-            <a:r>
-              <a:rPr lang="en-US" sz="700" i="1">
-                <a:latin typeface="AGaramond-Italic"/>
+              <a:t>LCCM = </a:t>
+            </a:r>
+            <a:r>
+              <a:rPr lang="en-US">
                 <a:cs typeface="Arial" charset="0"/>
               </a:rPr>
-              <a:t>d </a:t>
-            </a:r>
-            <a:r>
-              <a:rPr lang="en-US" i="1">
-                <a:latin typeface="Symbol" pitchFamily="18" charset="2"/>
+              <a:t>30* 6000*(5/1000)= 900$</a:t>
+            </a:r>
+          </a:p>
+          <a:p>
+            <a:pPr algn="l" rtl="0"/>
+            <a:r>
+              <a:rPr lang="en-US">
                 <a:cs typeface="Arial" charset="0"/>
               </a:rPr>
-              <a:t>=</a:t>
-            </a:r>
-            <a:r>
-              <a:rPr lang="en-US">
-                <a:latin typeface="AGaramond-Regular"/>
-                <a:cs typeface="Arial" charset="0"/>
-              </a:rPr>
-              <a:t>1624.5 $</a:t>
-            </a:r>
-            <a:endParaRPr lang="en-US">
-              <a:cs typeface="Arial" charset="0"/>
-            </a:endParaRPr>
-          </a:p>
-        </p:txBody>
-      </p:sp>
-      <p:sp>
-        <p:nvSpPr>
-          <p:cNvPr id="49155" name="Footer Placeholder 3"/>
+              <a:t>The annual corrective maintenance labor cost of the motor is $900.</a:t>
+            </a:r>
+          </a:p>
+        </p:txBody>
+      </p:sp>
+      <p:sp>
+        <p:nvSpPr>
+          <p:cNvPr id="47107" name="Footer Placeholder 3"/>
           <p:cNvSpPr>
             <a:spLocks noGrp="1"/>
           </p:cNvSpPr>
@@ -2178,7 +2185,7 @@
       </p:sp>
       <p:sp>
         <p:nvSpPr>
-          <p:cNvPr id="49156" name="Slide Number Placeholder 4"/>
+          <p:cNvPr id="47108" name="Slide Number Placeholder 4"/>
           <p:cNvSpPr>
             <a:spLocks noGrp="1"/>
           </p:cNvSpPr>
@@ -2198,7 +2205,7 @@
           <a:bodyPr/>
           <a:lstStyle/>
           <a:p>
-            <a:fld id="{F88BDFCD-3DA3-466B-858E-000B0A9B9B30}" type="slidenum">
+            <a:fld id="{CEB351AE-AB12-4057-A691-C2A4FFBDCB44}" type="slidenum">
               <a:rPr lang="ar-SA" smtClean="0"/>
               <a:pPr/>
               <a:t>17</a:t>
@@ -2208,6 +2215,11 @@
         </p:txBody>
       </p:sp>
     </p:spTree>
+    <p:extLst>
+      <p:ext uri="{BB962C8B-B14F-4D97-AF65-F5344CB8AC3E}">
+        <p14:creationId xmlns:p14="http://schemas.microsoft.com/office/powerpoint/2010/main" val="1612716555"/>
+      </p:ext>
+    </p:extLst>
   </p:cSld>
   <p:clrMapOvr>
     <a:masterClrMapping/>
@@ -2234,7 +2246,7 @@
       </p:grpSpPr>
       <p:sp>
         <p:nvSpPr>
-          <p:cNvPr id="51201" name="Slide Image Placeholder 1"/>
+          <p:cNvPr id="49153" name="Slide Image Placeholder 1"/>
           <p:cNvSpPr>
             <a:spLocks noGrp="1" noRot="1" noChangeAspect="1"/>
           </p:cNvSpPr>
@@ -2256,7 +2268,7 @@
       </p:sp>
       <p:sp>
         <p:nvSpPr>
-          <p:cNvPr id="51202" name="Notes Placeholder 2"/>
+          <p:cNvPr id="49154" name="Notes Placeholder 2"/>
           <p:cNvSpPr>
             <a:spLocks noGrp="1"/>
           </p:cNvSpPr>
@@ -2277,59 +2289,78 @@
           <a:p>
             <a:pPr algn="l" rtl="0"/>
             <a:r>
-              <a:rPr lang="en-US" dirty="0">
+              <a:rPr lang="en-US">
                 <a:cs typeface="Arial" charset="0"/>
               </a:rPr>
-              <a:t>Example 5.4</a:t>
+              <a:t>Example:</a:t>
             </a:r>
           </a:p>
           <a:p>
             <a:pPr algn="l" rtl="0"/>
             <a:r>
-              <a:rPr lang="en-US" dirty="0">
+              <a:rPr lang="en-US">
                 <a:cs typeface="Arial" charset="0"/>
               </a:rPr>
-              <a:t>Assume a 30-horsepower ac motor is operated for 3,000 hours annually. The</a:t>
+              <a:t>Assume that the annual maintenance cost of a 10-passenger vehicle is</a:t>
             </a:r>
           </a:p>
           <a:p>
             <a:pPr algn="l" rtl="0"/>
             <a:r>
-              <a:rPr lang="en-US" dirty="0">
+              <a:rPr lang="en-US">
                 <a:cs typeface="Arial" charset="0"/>
               </a:rPr>
-              <a:t>motor efficiency and the estimated cost of electricity are 80% and 3 cents per</a:t>
+              <a:t>$1,000. Estimate the annual maintenance cost of a similar 20-passenger vehicle</a:t>
             </a:r>
           </a:p>
           <a:p>
             <a:pPr algn="l" rtl="0"/>
             <a:r>
-              <a:rPr lang="en-US" dirty="0">
+              <a:rPr lang="en-US">
                 <a:cs typeface="Arial" charset="0"/>
               </a:rPr>
-              <a:t>kilowatt-hour, respectively. Calculate the annual cost of operating the motor.</a:t>
+              <a:t>if the value of the cost capacity factor is 0.7.</a:t>
             </a:r>
           </a:p>
           <a:p>
             <a:pPr algn="l" rtl="0"/>
-            <a:endParaRPr lang="en-US" dirty="0">
+            <a:r>
+              <a:rPr lang="en-US" i="1">
+                <a:latin typeface="AGaramond-Italic"/>
+                <a:cs typeface="Arial" charset="0"/>
+              </a:rPr>
+              <a:t>C </a:t>
+            </a:r>
+            <a:r>
+              <a:rPr lang="en-US" sz="700" i="1">
+                <a:latin typeface="AGaramond-Italic"/>
+                <a:cs typeface="Arial" charset="0"/>
+              </a:rPr>
+              <a:t>d </a:t>
+            </a:r>
+            <a:r>
+              <a:rPr lang="en-US" i="1">
+                <a:latin typeface="Symbol" pitchFamily="18" charset="2"/>
+                <a:cs typeface="Arial" charset="0"/>
+              </a:rPr>
+              <a:t>=</a:t>
+            </a:r>
+            <a:r>
+              <a:rPr lang="en-US">
+                <a:latin typeface="AGaramond-Regular"/>
+                <a:cs typeface="Arial" charset="0"/>
+              </a:rPr>
+              <a:t>1624.5 $</a:t>
+            </a:r>
+            <a:endParaRPr lang="en-US">
               <a:cs typeface="Arial" charset="0"/>
             </a:endParaRPr>
           </a:p>
-          <a:p>
-            <a:pPr algn="l" rtl="0"/>
-            <a:r>
-              <a:rPr lang="en-US" dirty="0">
-                <a:cs typeface="Arial" charset="0"/>
-              </a:rPr>
-              <a:t>The annual cost of operating the motor is $2,517.75.</a:t>
-            </a:r>
-          </a:p>
-        </p:txBody>
-      </p:sp>
-      <p:sp>
-        <p:nvSpPr>
-          <p:cNvPr id="51203" name="Footer Placeholder 3"/>
+        </p:txBody>
+      </p:sp>
+      <p:sp>
+        <p:nvSpPr>
+          <p:cNvPr id="49155" name="Footer Placeholder 3"/>
           <p:cNvSpPr>
             <a:spLocks noGrp="1"/>
           </p:cNvSpPr>
@@ -2358,7 +2389,7 @@
       </p:sp>
       <p:sp>
         <p:nvSpPr>
-          <p:cNvPr id="51204" name="Slide Number Placeholder 4"/>
+          <p:cNvPr id="49156" name="Slide Number Placeholder 4"/>
           <p:cNvSpPr>
             <a:spLocks noGrp="1"/>
           </p:cNvSpPr>
@@ -2378,7 +2409,7 @@
           <a:bodyPr/>
           <a:lstStyle/>
           <a:p>
-            <a:fld id="{31791A1B-1E6C-495A-99F2-3B54950EABF3}" type="slidenum">
+            <a:fld id="{F88BDFCD-3DA3-466B-858E-000B0A9B9B30}" type="slidenum">
               <a:rPr lang="ar-SA" smtClean="0"/>
               <a:pPr/>
               <a:t>18</a:t>
@@ -2388,6 +2419,210 @@
         </p:txBody>
       </p:sp>
     </p:spTree>
+  </p:cSld>
+  <p:clrMapOvr>
+    <a:masterClrMapping/>
+  </p:clrMapOvr>
+</p:notes>
+</file>
+
+<file path=ppt/notesSlides/notesSlide19.xml><?xml version="1.0" encoding="utf-8"?>
+<p:notes xmlns:a="http://schemas.openxmlformats.org/drawingml/2006/main" xmlns:r="http://schemas.openxmlformats.org/officeDocument/2006/relationships" xmlns:p="http://schemas.openxmlformats.org/presentationml/2006/main">
+  <p:cSld>
+    <p:spTree>
+      <p:nvGrpSpPr>
+        <p:cNvPr id="1" name=""/>
+        <p:cNvGrpSpPr/>
+        <p:nvPr/>
+      </p:nvGrpSpPr>
+      <p:grpSpPr>
+        <a:xfrm>
+          <a:off x="0" y="0"/>
+          <a:ext cx="0" cy="0"/>
+          <a:chOff x="0" y="0"/>
+          <a:chExt cx="0" cy="0"/>
+        </a:xfrm>
+      </p:grpSpPr>
+      <p:sp>
+        <p:nvSpPr>
+          <p:cNvPr id="49153" name="Slide Image Placeholder 1"/>
+          <p:cNvSpPr>
+            <a:spLocks noGrp="1" noRot="1" noChangeAspect="1"/>
+          </p:cNvSpPr>
+          <p:nvPr>
+            <p:ph type="sldImg"/>
+          </p:nvPr>
+        </p:nvSpPr>
+        <p:spPr bwMode="auto">
+          <a:noFill/>
+          <a:ln>
+            <a:solidFill>
+              <a:srgbClr val="000000"/>
+            </a:solidFill>
+            <a:miter lim="800000"/>
+            <a:headEnd/>
+            <a:tailEnd/>
+          </a:ln>
+        </p:spPr>
+      </p:sp>
+      <p:sp>
+        <p:nvSpPr>
+          <p:cNvPr id="49154" name="Notes Placeholder 2"/>
+          <p:cNvSpPr>
+            <a:spLocks noGrp="1"/>
+          </p:cNvSpPr>
+          <p:nvPr>
+            <p:ph type="body" idx="1"/>
+          </p:nvPr>
+        </p:nvSpPr>
+        <p:spPr bwMode="auto">
+          <a:noFill/>
+        </p:spPr>
+        <p:txBody>
+          <a:bodyPr wrap="square" numCol="1" anchor="t" anchorCtr="0" compatLnSpc="1">
+            <a:prstTxWarp prst="textNoShape">
+              <a:avLst/>
+            </a:prstTxWarp>
+          </a:bodyPr>
+          <a:lstStyle/>
+          <a:p>
+            <a:pPr algn="l" rtl="0"/>
+            <a:r>
+              <a:rPr lang="en-US" dirty="0">
+                <a:cs typeface="Arial" charset="0"/>
+              </a:rPr>
+              <a:t>Example:</a:t>
+            </a:r>
+          </a:p>
+          <a:p>
+            <a:pPr algn="l" rtl="0"/>
+            <a:r>
+              <a:rPr lang="en-US" dirty="0">
+                <a:cs typeface="Arial" charset="0"/>
+              </a:rPr>
+              <a:t>Assume that the annual maintenance cost of a 10-passenger vehicle is</a:t>
+            </a:r>
+          </a:p>
+          <a:p>
+            <a:pPr algn="l" rtl="0"/>
+            <a:r>
+              <a:rPr lang="en-US" dirty="0">
+                <a:cs typeface="Arial" charset="0"/>
+              </a:rPr>
+              <a:t>$1,000. Estimate the annual maintenance cost of a similar 20-passenger vehicle</a:t>
+            </a:r>
+          </a:p>
+          <a:p>
+            <a:pPr algn="l" rtl="0"/>
+            <a:r>
+              <a:rPr lang="en-US" dirty="0">
+                <a:cs typeface="Arial" charset="0"/>
+              </a:rPr>
+              <a:t>if the value of the cost capacity factor is 0.7.</a:t>
+            </a:r>
+          </a:p>
+          <a:p>
+            <a:pPr algn="l" rtl="0"/>
+            <a:r>
+              <a:rPr lang="en-US" i="1" dirty="0">
+                <a:latin typeface="AGaramond-Italic"/>
+                <a:cs typeface="Arial" charset="0"/>
+              </a:rPr>
+              <a:t>C </a:t>
+            </a:r>
+            <a:r>
+              <a:rPr lang="en-US" sz="700" i="1" dirty="0">
+                <a:latin typeface="AGaramond-Italic"/>
+                <a:cs typeface="Arial" charset="0"/>
+              </a:rPr>
+              <a:t>d </a:t>
+            </a:r>
+            <a:r>
+              <a:rPr lang="en-US" i="1" dirty="0">
+                <a:latin typeface="Symbol" pitchFamily="18" charset="2"/>
+                <a:cs typeface="Arial" charset="0"/>
+              </a:rPr>
+              <a:t>=</a:t>
+            </a:r>
+            <a:r>
+              <a:rPr lang="en-US" dirty="0">
+                <a:latin typeface="AGaramond-Regular"/>
+                <a:cs typeface="Arial" charset="0"/>
+              </a:rPr>
+              <a:t>1624.5 $</a:t>
+            </a:r>
+            <a:endParaRPr lang="en-US" dirty="0">
+              <a:cs typeface="Arial" charset="0"/>
+            </a:endParaRPr>
+          </a:p>
+        </p:txBody>
+      </p:sp>
+      <p:sp>
+        <p:nvSpPr>
+          <p:cNvPr id="49155" name="Footer Placeholder 3"/>
+          <p:cNvSpPr>
+            <a:spLocks noGrp="1"/>
+          </p:cNvSpPr>
+          <p:nvPr>
+            <p:ph type="ftr" sz="quarter" idx="4"/>
+          </p:nvPr>
+        </p:nvSpPr>
+        <p:spPr bwMode="auto">
+          <a:noFill/>
+          <a:ln>
+            <a:miter lim="800000"/>
+            <a:headEnd/>
+            <a:tailEnd/>
+          </a:ln>
+        </p:spPr>
+        <p:txBody>
+          <a:bodyPr/>
+          <a:lstStyle/>
+          <a:p>
+            <a:r>
+              <a:rPr lang="en-US"/>
+              <a:t>Dr Mahdi</a:t>
+            </a:r>
+          </a:p>
+        </p:txBody>
+      </p:sp>
+      <p:sp>
+        <p:nvSpPr>
+          <p:cNvPr id="49156" name="Slide Number Placeholder 4"/>
+          <p:cNvSpPr>
+            <a:spLocks noGrp="1"/>
+          </p:cNvSpPr>
+          <p:nvPr>
+            <p:ph type="sldNum" sz="quarter" idx="5"/>
+          </p:nvPr>
+        </p:nvSpPr>
+        <p:spPr bwMode="auto">
+          <a:noFill/>
+          <a:ln>
+            <a:miter lim="800000"/>
+            <a:headEnd/>
+            <a:tailEnd/>
+          </a:ln>
+        </p:spPr>
+        <p:txBody>
+          <a:bodyPr/>
+          <a:lstStyle/>
+          <a:p>
+            <a:fld id="{F88BDFCD-3DA3-466B-858E-000B0A9B9B30}" type="slidenum">
+              <a:rPr lang="ar-SA" smtClean="0"/>
+              <a:pPr/>
+              <a:t>19</a:t>
+            </a:fld>
+            <a:endParaRPr lang="en-US"/>
+          </a:p>
+        </p:txBody>
+      </p:sp>
+    </p:spTree>
+    <p:extLst>
+      <p:ext uri="{BB962C8B-B14F-4D97-AF65-F5344CB8AC3E}">
+        <p14:creationId xmlns:p14="http://schemas.microsoft.com/office/powerpoint/2010/main" val="2110438305"/>
+      </p:ext>
+    </p:extLst>
   </p:cSld>
   <p:clrMapOvr>
     <a:masterClrMapping/>
@@ -2522,6 +2757,371 @@
         </p:txBody>
       </p:sp>
     </p:spTree>
+  </p:cSld>
+  <p:clrMapOvr>
+    <a:masterClrMapping/>
+  </p:clrMapOvr>
+</p:notes>
+</file>
+
+<file path=ppt/notesSlides/notesSlide20.xml><?xml version="1.0" encoding="utf-8"?>
+<p:notes xmlns:a="http://schemas.openxmlformats.org/drawingml/2006/main" xmlns:r="http://schemas.openxmlformats.org/officeDocument/2006/relationships" xmlns:p="http://schemas.openxmlformats.org/presentationml/2006/main">
+  <p:cSld>
+    <p:spTree>
+      <p:nvGrpSpPr>
+        <p:cNvPr id="1" name=""/>
+        <p:cNvGrpSpPr/>
+        <p:nvPr/>
+      </p:nvGrpSpPr>
+      <p:grpSpPr>
+        <a:xfrm>
+          <a:off x="0" y="0"/>
+          <a:ext cx="0" cy="0"/>
+          <a:chOff x="0" y="0"/>
+          <a:chExt cx="0" cy="0"/>
+        </a:xfrm>
+      </p:grpSpPr>
+      <p:sp>
+        <p:nvSpPr>
+          <p:cNvPr id="51201" name="Slide Image Placeholder 1"/>
+          <p:cNvSpPr>
+            <a:spLocks noGrp="1" noRot="1" noChangeAspect="1"/>
+          </p:cNvSpPr>
+          <p:nvPr>
+            <p:ph type="sldImg"/>
+          </p:nvPr>
+        </p:nvSpPr>
+        <p:spPr bwMode="auto">
+          <a:noFill/>
+          <a:ln>
+            <a:solidFill>
+              <a:srgbClr val="000000"/>
+            </a:solidFill>
+            <a:miter lim="800000"/>
+            <a:headEnd/>
+            <a:tailEnd/>
+          </a:ln>
+        </p:spPr>
+      </p:sp>
+      <p:sp>
+        <p:nvSpPr>
+          <p:cNvPr id="51202" name="Notes Placeholder 2"/>
+          <p:cNvSpPr>
+            <a:spLocks noGrp="1"/>
+          </p:cNvSpPr>
+          <p:nvPr>
+            <p:ph type="body" idx="1"/>
+          </p:nvPr>
+        </p:nvSpPr>
+        <p:spPr bwMode="auto">
+          <a:noFill/>
+        </p:spPr>
+        <p:txBody>
+          <a:bodyPr wrap="square" numCol="1" anchor="t" anchorCtr="0" compatLnSpc="1">
+            <a:prstTxWarp prst="textNoShape">
+              <a:avLst/>
+            </a:prstTxWarp>
+          </a:bodyPr>
+          <a:lstStyle/>
+          <a:p>
+            <a:pPr algn="l" rtl="0"/>
+            <a:r>
+              <a:rPr lang="en-US" dirty="0">
+                <a:cs typeface="Arial" charset="0"/>
+              </a:rPr>
+              <a:t>Example 5.4</a:t>
+            </a:r>
+          </a:p>
+          <a:p>
+            <a:pPr algn="l" rtl="0"/>
+            <a:r>
+              <a:rPr lang="en-US" dirty="0">
+                <a:cs typeface="Arial" charset="0"/>
+              </a:rPr>
+              <a:t>Assume a 30-horsepower ac motor is operated for 3,000 hours annually. The</a:t>
+            </a:r>
+          </a:p>
+          <a:p>
+            <a:pPr algn="l" rtl="0"/>
+            <a:r>
+              <a:rPr lang="en-US" dirty="0">
+                <a:cs typeface="Arial" charset="0"/>
+              </a:rPr>
+              <a:t>motor efficiency and the estimated cost of electricity are 80% and 3 cents per</a:t>
+            </a:r>
+          </a:p>
+          <a:p>
+            <a:pPr algn="l" rtl="0"/>
+            <a:r>
+              <a:rPr lang="en-US" dirty="0">
+                <a:cs typeface="Arial" charset="0"/>
+              </a:rPr>
+              <a:t>kilowatt-hour, respectively. Calculate the annual cost of operating the motor.</a:t>
+            </a:r>
+          </a:p>
+          <a:p>
+            <a:pPr algn="l" rtl="0"/>
+            <a:endParaRPr lang="en-US" dirty="0">
+              <a:cs typeface="Arial" charset="0"/>
+            </a:endParaRPr>
+          </a:p>
+          <a:p>
+            <a:pPr algn="l" rtl="0"/>
+            <a:r>
+              <a:rPr lang="en-US" dirty="0">
+                <a:cs typeface="Arial" charset="0"/>
+              </a:rPr>
+              <a:t>The annual cost of operating the motor is $2,517.75.</a:t>
+            </a:r>
+          </a:p>
+        </p:txBody>
+      </p:sp>
+      <p:sp>
+        <p:nvSpPr>
+          <p:cNvPr id="51203" name="Footer Placeholder 3"/>
+          <p:cNvSpPr>
+            <a:spLocks noGrp="1"/>
+          </p:cNvSpPr>
+          <p:nvPr>
+            <p:ph type="ftr" sz="quarter" idx="4"/>
+          </p:nvPr>
+        </p:nvSpPr>
+        <p:spPr bwMode="auto">
+          <a:noFill/>
+          <a:ln>
+            <a:miter lim="800000"/>
+            <a:headEnd/>
+            <a:tailEnd/>
+          </a:ln>
+        </p:spPr>
+        <p:txBody>
+          <a:bodyPr/>
+          <a:lstStyle/>
+          <a:p>
+            <a:r>
+              <a:rPr lang="en-US"/>
+              <a:t>Dr Mahdi</a:t>
+            </a:r>
+          </a:p>
+        </p:txBody>
+      </p:sp>
+      <p:sp>
+        <p:nvSpPr>
+          <p:cNvPr id="51204" name="Slide Number Placeholder 4"/>
+          <p:cNvSpPr>
+            <a:spLocks noGrp="1"/>
+          </p:cNvSpPr>
+          <p:nvPr>
+            <p:ph type="sldNum" sz="quarter" idx="5"/>
+          </p:nvPr>
+        </p:nvSpPr>
+        <p:spPr bwMode="auto">
+          <a:noFill/>
+          <a:ln>
+            <a:miter lim="800000"/>
+            <a:headEnd/>
+            <a:tailEnd/>
+          </a:ln>
+        </p:spPr>
+        <p:txBody>
+          <a:bodyPr/>
+          <a:lstStyle/>
+          <a:p>
+            <a:fld id="{31791A1B-1E6C-495A-99F2-3B54950EABF3}" type="slidenum">
+              <a:rPr lang="ar-SA" smtClean="0"/>
+              <a:pPr/>
+              <a:t>20</a:t>
+            </a:fld>
+            <a:endParaRPr lang="en-US"/>
+          </a:p>
+        </p:txBody>
+      </p:sp>
+    </p:spTree>
+  </p:cSld>
+  <p:clrMapOvr>
+    <a:masterClrMapping/>
+  </p:clrMapOvr>
+</p:notes>
+</file>
+
+<file path=ppt/notesSlides/notesSlide21.xml><?xml version="1.0" encoding="utf-8"?>
+<p:notes xmlns:a="http://schemas.openxmlformats.org/drawingml/2006/main" xmlns:r="http://schemas.openxmlformats.org/officeDocument/2006/relationships" xmlns:p="http://schemas.openxmlformats.org/presentationml/2006/main">
+  <p:cSld>
+    <p:spTree>
+      <p:nvGrpSpPr>
+        <p:cNvPr id="1" name=""/>
+        <p:cNvGrpSpPr/>
+        <p:nvPr/>
+      </p:nvGrpSpPr>
+      <p:grpSpPr>
+        <a:xfrm>
+          <a:off x="0" y="0"/>
+          <a:ext cx="0" cy="0"/>
+          <a:chOff x="0" y="0"/>
+          <a:chExt cx="0" cy="0"/>
+        </a:xfrm>
+      </p:grpSpPr>
+      <p:sp>
+        <p:nvSpPr>
+          <p:cNvPr id="51201" name="Slide Image Placeholder 1"/>
+          <p:cNvSpPr>
+            <a:spLocks noGrp="1" noRot="1" noChangeAspect="1"/>
+          </p:cNvSpPr>
+          <p:nvPr>
+            <p:ph type="sldImg"/>
+          </p:nvPr>
+        </p:nvSpPr>
+        <p:spPr bwMode="auto">
+          <a:noFill/>
+          <a:ln>
+            <a:solidFill>
+              <a:srgbClr val="000000"/>
+            </a:solidFill>
+            <a:miter lim="800000"/>
+            <a:headEnd/>
+            <a:tailEnd/>
+          </a:ln>
+        </p:spPr>
+      </p:sp>
+      <p:sp>
+        <p:nvSpPr>
+          <p:cNvPr id="51202" name="Notes Placeholder 2"/>
+          <p:cNvSpPr>
+            <a:spLocks noGrp="1"/>
+          </p:cNvSpPr>
+          <p:nvPr>
+            <p:ph type="body" idx="1"/>
+          </p:nvPr>
+        </p:nvSpPr>
+        <p:spPr bwMode="auto">
+          <a:noFill/>
+        </p:spPr>
+        <p:txBody>
+          <a:bodyPr wrap="square" numCol="1" anchor="t" anchorCtr="0" compatLnSpc="1">
+            <a:prstTxWarp prst="textNoShape">
+              <a:avLst/>
+            </a:prstTxWarp>
+          </a:bodyPr>
+          <a:lstStyle/>
+          <a:p>
+            <a:pPr algn="l" rtl="0"/>
+            <a:r>
+              <a:rPr lang="en-US" dirty="0">
+                <a:cs typeface="Arial" charset="0"/>
+              </a:rPr>
+              <a:t>Example 5.4</a:t>
+            </a:r>
+          </a:p>
+          <a:p>
+            <a:pPr algn="l" rtl="0"/>
+            <a:r>
+              <a:rPr lang="en-US" dirty="0">
+                <a:cs typeface="Arial" charset="0"/>
+              </a:rPr>
+              <a:t>Assume a 30-horsepower ac motor is operated for 3,000 hours annually. The</a:t>
+            </a:r>
+          </a:p>
+          <a:p>
+            <a:pPr algn="l" rtl="0"/>
+            <a:r>
+              <a:rPr lang="en-US" dirty="0">
+                <a:cs typeface="Arial" charset="0"/>
+              </a:rPr>
+              <a:t>motor efficiency and the estimated cost of electricity are 80% and 3 cents per</a:t>
+            </a:r>
+          </a:p>
+          <a:p>
+            <a:pPr algn="l" rtl="0"/>
+            <a:r>
+              <a:rPr lang="en-US" dirty="0">
+                <a:cs typeface="Arial" charset="0"/>
+              </a:rPr>
+              <a:t>kilowatt-hour, respectively. Calculate the annual cost of operating the motor.</a:t>
+            </a:r>
+          </a:p>
+          <a:p>
+            <a:pPr algn="l" rtl="0"/>
+            <a:endParaRPr lang="en-US" dirty="0">
+              <a:cs typeface="Arial" charset="0"/>
+            </a:endParaRPr>
+          </a:p>
+          <a:p>
+            <a:pPr algn="l" rtl="0"/>
+            <a:r>
+              <a:rPr lang="en-US" dirty="0">
+                <a:cs typeface="Arial" charset="0"/>
+              </a:rPr>
+              <a:t>The annual cost of operating the motor is $2,517.75.</a:t>
+            </a:r>
+          </a:p>
+        </p:txBody>
+      </p:sp>
+      <p:sp>
+        <p:nvSpPr>
+          <p:cNvPr id="51203" name="Footer Placeholder 3"/>
+          <p:cNvSpPr>
+            <a:spLocks noGrp="1"/>
+          </p:cNvSpPr>
+          <p:nvPr>
+            <p:ph type="ftr" sz="quarter" idx="4"/>
+          </p:nvPr>
+        </p:nvSpPr>
+        <p:spPr bwMode="auto">
+          <a:noFill/>
+          <a:ln>
+            <a:miter lim="800000"/>
+            <a:headEnd/>
+            <a:tailEnd/>
+          </a:ln>
+        </p:spPr>
+        <p:txBody>
+          <a:bodyPr/>
+          <a:lstStyle/>
+          <a:p>
+            <a:r>
+              <a:rPr lang="en-US"/>
+              <a:t>Dr Mahdi</a:t>
+            </a:r>
+          </a:p>
+        </p:txBody>
+      </p:sp>
+      <p:sp>
+        <p:nvSpPr>
+          <p:cNvPr id="51204" name="Slide Number Placeholder 4"/>
+          <p:cNvSpPr>
+            <a:spLocks noGrp="1"/>
+          </p:cNvSpPr>
+          <p:nvPr>
+            <p:ph type="sldNum" sz="quarter" idx="5"/>
+          </p:nvPr>
+        </p:nvSpPr>
+        <p:spPr bwMode="auto">
+          <a:noFill/>
+          <a:ln>
+            <a:miter lim="800000"/>
+            <a:headEnd/>
+            <a:tailEnd/>
+          </a:ln>
+        </p:spPr>
+        <p:txBody>
+          <a:bodyPr/>
+          <a:lstStyle/>
+          <a:p>
+            <a:fld id="{31791A1B-1E6C-495A-99F2-3B54950EABF3}" type="slidenum">
+              <a:rPr lang="ar-SA" smtClean="0"/>
+              <a:pPr/>
+              <a:t>21</a:t>
+            </a:fld>
+            <a:endParaRPr lang="en-US"/>
+          </a:p>
+        </p:txBody>
+      </p:sp>
+    </p:spTree>
+    <p:extLst>
+      <p:ext uri="{BB962C8B-B14F-4D97-AF65-F5344CB8AC3E}">
+        <p14:creationId xmlns:p14="http://schemas.microsoft.com/office/powerpoint/2010/main" val="2843425636"/>
+      </p:ext>
+    </p:extLst>
   </p:cSld>
   <p:clrMapOvr>
     <a:masterClrMapping/>
@@ -11158,7 +11758,7 @@
         <p:spPr bwMode="auto">
           <a:xfrm>
             <a:off x="776288" y="3379788"/>
-            <a:ext cx="8048625" cy="1917700"/>
+            <a:ext cx="8048625" cy="2308324"/>
           </a:xfrm>
           <a:prstGeom prst="rect">
             <a:avLst/>
@@ -11179,52 +11779,59 @@
           <a:p>
             <a:pPr algn="l" rtl="0"/>
             <a:r>
-              <a:rPr lang="en-US" sz="2400"/>
+              <a:rPr lang="en-US" sz="2400" dirty="0"/>
               <a:t>Where, </a:t>
             </a:r>
           </a:p>
           <a:p>
             <a:pPr algn="l" rtl="0"/>
             <a:r>
-              <a:rPr lang="en-US" sz="2400" i="1"/>
+              <a:rPr lang="en-US" sz="2400" i="1" dirty="0"/>
               <a:t>LCCM</a:t>
             </a:r>
             <a:r>
-              <a:rPr lang="en-US" sz="2400"/>
+              <a:rPr lang="en-US" sz="2400" dirty="0"/>
               <a:t>  is the labor cost of corrective maintenance.</a:t>
             </a:r>
           </a:p>
           <a:p>
             <a:pPr algn="l" rtl="0"/>
             <a:r>
-              <a:rPr lang="en-US" sz="2400" i="1"/>
+              <a:rPr lang="en-US" sz="2400" i="1" dirty="0"/>
               <a:t>CML </a:t>
             </a:r>
             <a:r>
-              <a:rPr lang="en-US" sz="2400"/>
+              <a:rPr lang="en-US" sz="2400" dirty="0"/>
               <a:t>    is the cost of maintenance labor per hour.</a:t>
             </a:r>
           </a:p>
           <a:p>
             <a:pPr algn="l" rtl="0"/>
             <a:r>
-              <a:rPr lang="en-US" sz="2400" i="1"/>
+              <a:rPr lang="en-US" sz="2400" i="1" dirty="0"/>
               <a:t>MTBF</a:t>
             </a:r>
             <a:r>
-              <a:rPr lang="en-US" sz="2400"/>
+              <a:rPr lang="en-US" sz="2400" dirty="0"/>
               <a:t>  is the item’s mean time between failures.</a:t>
             </a:r>
           </a:p>
           <a:p>
             <a:pPr algn="l" rtl="0"/>
             <a:r>
-              <a:rPr lang="en-US" sz="2400" i="1"/>
+              <a:rPr lang="en-US" sz="2400" i="1" dirty="0"/>
               <a:t>MTTR</a:t>
             </a:r>
             <a:r>
-              <a:rPr lang="en-US" sz="2400"/>
+              <a:rPr lang="en-US" sz="2400" dirty="0"/>
               <a:t>  is the item’s mean time to repair.</a:t>
+            </a:r>
+          </a:p>
+          <a:p>
+            <a:pPr algn="l" rtl="0"/>
+            <a:r>
+              <a:rPr lang="en-US" sz="2400" dirty="0"/>
+              <a:t>SOH   is the annual operating hours</a:t>
             </a:r>
           </a:p>
         </p:txBody>
@@ -11285,14 +11892,14 @@
                   <a:srgbClr val="FF0000"/>
                 </a:solidFill>
               </a:rPr>
-              <a:t>Cost Estimation Models</a:t>
-            </a:r>
-          </a:p>
-        </p:txBody>
-      </p:sp>
-      <p:sp>
-        <p:nvSpPr>
-          <p:cNvPr id="48131" name="Footer Placeholder 4"/>
+              <a:t>Cost Estimation Models example </a:t>
+            </a:r>
+          </a:p>
+        </p:txBody>
+      </p:sp>
+      <p:sp>
+        <p:nvSpPr>
+          <p:cNvPr id="46083" name="Footer Placeholder 4"/>
           <p:cNvSpPr>
             <a:spLocks noGrp="1"/>
           </p:cNvSpPr>
@@ -11321,7 +11928,7 @@
       </p:sp>
       <p:sp>
         <p:nvSpPr>
-          <p:cNvPr id="48132" name="Slide Number Placeholder 5"/>
+          <p:cNvPr id="46084" name="Slide Number Placeholder 5"/>
           <p:cNvSpPr>
             <a:spLocks noGrp="1"/>
           </p:cNvSpPr>
@@ -11341,7 +11948,7 @@
           <a:bodyPr/>
           <a:lstStyle/>
           <a:p>
-            <a:fld id="{2709DBAA-890A-4D45-9D73-00A9B953E2C5}" type="slidenum">
+            <a:fld id="{86F08CC7-3D88-43A6-B14C-129849C82E7B}" type="slidenum">
               <a:rPr lang="ar-SA" smtClean="0"/>
               <a:pPr/>
               <a:t>17</a:t>
@@ -11380,6 +11987,389 @@
           <a:bodyPr/>
           <a:lstStyle/>
           <a:p>
+            <a:pPr marL="0" marR="0" algn="l">
+              <a:lnSpc>
+                <a:spcPct val="107000"/>
+              </a:lnSpc>
+              <a:spcBef>
+                <a:spcPts val="0"/>
+              </a:spcBef>
+              <a:spcAft>
+                <a:spcPts val="800"/>
+              </a:spcAft>
+            </a:pPr>
+            <a:r>
+              <a:rPr lang="en-US" sz="1800" kern="100" dirty="0">
+                <a:effectLst/>
+                <a:latin typeface="Calibri" panose="020F0502020204030204" pitchFamily="34" charset="0"/>
+                <a:ea typeface="Calibri" panose="020F0502020204030204" pitchFamily="34" charset="0"/>
+                <a:cs typeface="Arial" panose="020B0604020202020204" pitchFamily="34" charset="0"/>
+              </a:rPr>
+              <a:t>Example: MODLE I</a:t>
+            </a:r>
+          </a:p>
+          <a:p>
+            <a:pPr marL="0" marR="0" algn="l">
+              <a:lnSpc>
+                <a:spcPct val="107000"/>
+              </a:lnSpc>
+              <a:spcBef>
+                <a:spcPts val="0"/>
+              </a:spcBef>
+              <a:spcAft>
+                <a:spcPts val="800"/>
+              </a:spcAft>
+            </a:pPr>
+            <a:r>
+              <a:rPr lang="en-US" sz="1800" kern="100" dirty="0">
+                <a:effectLst/>
+                <a:latin typeface="Calibri" panose="020F0502020204030204" pitchFamily="34" charset="0"/>
+                <a:ea typeface="Calibri" panose="020F0502020204030204" pitchFamily="34" charset="0"/>
+                <a:cs typeface="Arial" panose="020B0604020202020204" pitchFamily="34" charset="0"/>
+              </a:rPr>
+              <a:t>Assume that a motor’s mean time between failures and mean time to repair are</a:t>
+            </a:r>
+          </a:p>
+          <a:p>
+            <a:pPr marL="0" marR="0" algn="l">
+              <a:lnSpc>
+                <a:spcPct val="107000"/>
+              </a:lnSpc>
+              <a:spcBef>
+                <a:spcPts val="0"/>
+              </a:spcBef>
+              <a:spcAft>
+                <a:spcPts val="800"/>
+              </a:spcAft>
+            </a:pPr>
+            <a:r>
+              <a:rPr lang="en-US" sz="1800" kern="100" dirty="0">
+                <a:effectLst/>
+                <a:latin typeface="Calibri" panose="020F0502020204030204" pitchFamily="34" charset="0"/>
+                <a:ea typeface="Calibri" panose="020F0502020204030204" pitchFamily="34" charset="0"/>
+                <a:cs typeface="Arial" panose="020B0604020202020204" pitchFamily="34" charset="0"/>
+              </a:rPr>
+              <a:t>1,000 hours and 5 hours, respectively. The estimated annual operating hours</a:t>
+            </a:r>
+          </a:p>
+          <a:p>
+            <a:pPr marL="0" marR="0" algn="l">
+              <a:lnSpc>
+                <a:spcPct val="107000"/>
+              </a:lnSpc>
+              <a:spcBef>
+                <a:spcPts val="0"/>
+              </a:spcBef>
+              <a:spcAft>
+                <a:spcPts val="800"/>
+              </a:spcAft>
+            </a:pPr>
+            <a:r>
+              <a:rPr lang="en-US" sz="1800" kern="100" dirty="0">
+                <a:effectLst/>
+                <a:latin typeface="Calibri" panose="020F0502020204030204" pitchFamily="34" charset="0"/>
+                <a:ea typeface="Calibri" panose="020F0502020204030204" pitchFamily="34" charset="0"/>
+                <a:cs typeface="Arial" panose="020B0604020202020204" pitchFamily="34" charset="0"/>
+              </a:rPr>
+              <a:t>of the motor are 6,000 hours. Calculate the annual corrective maintenance</a:t>
+            </a:r>
+          </a:p>
+          <a:p>
+            <a:pPr marL="0" marR="0" algn="l">
+              <a:lnSpc>
+                <a:spcPct val="107000"/>
+              </a:lnSpc>
+              <a:spcBef>
+                <a:spcPts val="0"/>
+              </a:spcBef>
+              <a:spcAft>
+                <a:spcPts val="800"/>
+              </a:spcAft>
+            </a:pPr>
+            <a:r>
+              <a:rPr lang="en-US" sz="1800" kern="100" dirty="0">
+                <a:effectLst/>
+                <a:latin typeface="Calibri" panose="020F0502020204030204" pitchFamily="34" charset="0"/>
+                <a:ea typeface="Calibri" panose="020F0502020204030204" pitchFamily="34" charset="0"/>
+                <a:cs typeface="Arial" panose="020B0604020202020204" pitchFamily="34" charset="0"/>
+              </a:rPr>
+              <a:t>labor cost of the motor, if the hourly corrective maintenance labor rate is $30.</a:t>
+            </a:r>
+          </a:p>
+          <a:p>
+            <a:pPr marL="0" marR="0" algn="l">
+              <a:lnSpc>
+                <a:spcPct val="107000"/>
+              </a:lnSpc>
+              <a:spcBef>
+                <a:spcPts val="0"/>
+              </a:spcBef>
+              <a:spcAft>
+                <a:spcPts val="800"/>
+              </a:spcAft>
+            </a:pPr>
+            <a:r>
+              <a:rPr lang="en-US" sz="1800" kern="100" dirty="0">
+                <a:effectLst/>
+                <a:latin typeface="Calibri" panose="020F0502020204030204" pitchFamily="34" charset="0"/>
+                <a:ea typeface="Calibri" panose="020F0502020204030204" pitchFamily="34" charset="0"/>
+                <a:cs typeface="Arial" panose="020B0604020202020204" pitchFamily="34" charset="0"/>
+              </a:rPr>
+              <a:t>By substituting the given data into (5.5), we get</a:t>
+            </a:r>
+          </a:p>
+          <a:p>
+            <a:pPr marL="0" marR="0" algn="l">
+              <a:lnSpc>
+                <a:spcPct val="107000"/>
+              </a:lnSpc>
+              <a:spcBef>
+                <a:spcPts val="0"/>
+              </a:spcBef>
+              <a:spcAft>
+                <a:spcPts val="800"/>
+              </a:spcAft>
+            </a:pPr>
+            <a:r>
+              <a:rPr lang="en-US" sz="1800" i="1" kern="100" dirty="0">
+                <a:effectLst/>
+                <a:latin typeface="Calibri" panose="020F0502020204030204" pitchFamily="34" charset="0"/>
+                <a:ea typeface="Calibri" panose="020F0502020204030204" pitchFamily="34" charset="0"/>
+                <a:cs typeface="Arial" panose="020B0604020202020204" pitchFamily="34" charset="0"/>
+              </a:rPr>
+              <a:t>LCCM = </a:t>
+            </a:r>
+            <a:r>
+              <a:rPr lang="en-US" sz="1800" kern="100" dirty="0">
+                <a:effectLst/>
+                <a:latin typeface="Calibri" panose="020F0502020204030204" pitchFamily="34" charset="0"/>
+                <a:ea typeface="Calibri" panose="020F0502020204030204" pitchFamily="34" charset="0"/>
+                <a:cs typeface="Arial" panose="020B0604020202020204" pitchFamily="34" charset="0"/>
+              </a:rPr>
+              <a:t>30* 6000*(5/1000)= 900$</a:t>
+            </a:r>
+          </a:p>
+          <a:p>
+            <a:pPr marL="0" marR="0" algn="l">
+              <a:lnSpc>
+                <a:spcPct val="107000"/>
+              </a:lnSpc>
+              <a:spcBef>
+                <a:spcPts val="0"/>
+              </a:spcBef>
+              <a:spcAft>
+                <a:spcPts val="800"/>
+              </a:spcAft>
+            </a:pPr>
+            <a:r>
+              <a:rPr lang="en-US" sz="1800" kern="100" dirty="0">
+                <a:effectLst/>
+                <a:latin typeface="Calibri" panose="020F0502020204030204" pitchFamily="34" charset="0"/>
+                <a:ea typeface="Calibri" panose="020F0502020204030204" pitchFamily="34" charset="0"/>
+                <a:cs typeface="Arial" panose="020B0604020202020204" pitchFamily="34" charset="0"/>
+              </a:rPr>
+              <a:t>The annual corrective maintenance labor cost of the motor is $900.</a:t>
+            </a:r>
+          </a:p>
+          <a:p>
+            <a:pPr algn="l" rtl="0">
+              <a:defRPr/>
+            </a:pPr>
+            <a:endParaRPr lang="en-US" sz="2400" dirty="0">
+              <a:latin typeface="+mn-lt"/>
+              <a:cs typeface="+mn-cs"/>
+            </a:endParaRPr>
+          </a:p>
+        </p:txBody>
+      </p:sp>
+      <p:pic>
+        <p:nvPicPr>
+          <p:cNvPr id="46086" name="Picture 2"/>
+          <p:cNvPicPr>
+            <a:picLocks noChangeAspect="1" noChangeArrowheads="1"/>
+          </p:cNvPicPr>
+          <p:nvPr/>
+        </p:nvPicPr>
+        <p:blipFill>
+          <a:blip r:embed="rId3"/>
+          <a:srcRect/>
+          <a:stretch>
+            <a:fillRect/>
+          </a:stretch>
+        </p:blipFill>
+        <p:spPr bwMode="auto">
+          <a:xfrm>
+            <a:off x="2651918" y="4048125"/>
+            <a:ext cx="4602163" cy="809625"/>
+          </a:xfrm>
+          <a:prstGeom prst="rect">
+            <a:avLst/>
+          </a:prstGeom>
+          <a:noFill/>
+          <a:ln w="9525">
+            <a:noFill/>
+            <a:miter lim="800000"/>
+            <a:headEnd/>
+            <a:tailEnd/>
+          </a:ln>
+        </p:spPr>
+      </p:pic>
+    </p:spTree>
+    <p:extLst>
+      <p:ext uri="{BB962C8B-B14F-4D97-AF65-F5344CB8AC3E}">
+        <p14:creationId xmlns:p14="http://schemas.microsoft.com/office/powerpoint/2010/main" val="1538298189"/>
+      </p:ext>
+    </p:extLst>
+  </p:cSld>
+  <p:clrMapOvr>
+    <a:masterClrMapping/>
+  </p:clrMapOvr>
+</p:sld>
+</file>
+
+<file path=ppt/slides/slide18.xml><?xml version="1.0" encoding="utf-8"?>
+<p:sld xmlns:a="http://schemas.openxmlformats.org/drawingml/2006/main" xmlns:r="http://schemas.openxmlformats.org/officeDocument/2006/relationships" xmlns:p="http://schemas.openxmlformats.org/presentationml/2006/main">
+  <p:cSld>
+    <p:spTree>
+      <p:nvGrpSpPr>
+        <p:cNvPr id="1" name=""/>
+        <p:cNvGrpSpPr/>
+        <p:nvPr/>
+      </p:nvGrpSpPr>
+      <p:grpSpPr>
+        <a:xfrm>
+          <a:off x="0" y="0"/>
+          <a:ext cx="0" cy="0"/>
+          <a:chOff x="0" y="0"/>
+          <a:chExt cx="0" cy="0"/>
+        </a:xfrm>
+      </p:grpSpPr>
+      <p:sp>
+        <p:nvSpPr>
+          <p:cNvPr id="3" name="Title 2"/>
+          <p:cNvSpPr>
+            <a:spLocks noGrp="1"/>
+          </p:cNvSpPr>
+          <p:nvPr>
+            <p:ph type="title"/>
+          </p:nvPr>
+        </p:nvSpPr>
+        <p:spPr>
+          <a:xfrm>
+            <a:off x="309388" y="142852"/>
+            <a:ext cx="8915014" cy="439718"/>
+          </a:xfrm>
+        </p:spPr>
+        <p:txBody>
+          <a:bodyPr>
+            <a:noAutofit/>
+          </a:bodyPr>
+          <a:lstStyle/>
+          <a:p>
+            <a:pPr>
+              <a:defRPr/>
+            </a:pPr>
+            <a:r>
+              <a:rPr lang="en-US" sz="3200" u="sng" dirty="0">
+                <a:solidFill>
+                  <a:srgbClr val="FF0000"/>
+                </a:solidFill>
+              </a:rPr>
+              <a:t>Cost Estimation Models</a:t>
+            </a:r>
+          </a:p>
+        </p:txBody>
+      </p:sp>
+      <p:sp>
+        <p:nvSpPr>
+          <p:cNvPr id="48131" name="Footer Placeholder 4"/>
+          <p:cNvSpPr>
+            <a:spLocks noGrp="1"/>
+          </p:cNvSpPr>
+          <p:nvPr>
+            <p:ph type="ftr" sz="quarter" idx="11"/>
+          </p:nvPr>
+        </p:nvSpPr>
+        <p:spPr bwMode="auto">
+          <a:noFill/>
+          <a:ln>
+            <a:miter lim="800000"/>
+            <a:headEnd/>
+            <a:tailEnd/>
+          </a:ln>
+        </p:spPr>
+        <p:txBody>
+          <a:bodyPr/>
+          <a:lstStyle/>
+          <a:p>
+            <a:r>
+              <a:rPr lang="en-US"/>
+              <a:t>Engineering Management 8</a:t>
+            </a:r>
+          </a:p>
+        </p:txBody>
+      </p:sp>
+      <p:sp>
+        <p:nvSpPr>
+          <p:cNvPr id="48132" name="Slide Number Placeholder 5"/>
+          <p:cNvSpPr>
+            <a:spLocks noGrp="1"/>
+          </p:cNvSpPr>
+          <p:nvPr>
+            <p:ph type="sldNum" sz="quarter" idx="12"/>
+          </p:nvPr>
+        </p:nvSpPr>
+        <p:spPr bwMode="auto">
+          <a:noFill/>
+          <a:ln>
+            <a:miter lim="800000"/>
+            <a:headEnd/>
+            <a:tailEnd/>
+          </a:ln>
+        </p:spPr>
+        <p:txBody>
+          <a:bodyPr/>
+          <a:lstStyle/>
+          <a:p>
+            <a:fld id="{2709DBAA-890A-4D45-9D73-00A9B953E2C5}" type="slidenum">
+              <a:rPr lang="ar-SA" smtClean="0"/>
+              <a:pPr/>
+              <a:t>18</a:t>
+            </a:fld>
+            <a:endParaRPr lang="en-US"/>
+          </a:p>
+        </p:txBody>
+      </p:sp>
+      <p:sp>
+        <p:nvSpPr>
+          <p:cNvPr id="21" name="Content Placeholder 1"/>
+          <p:cNvSpPr txBox="1">
+            <a:spLocks/>
+          </p:cNvSpPr>
+          <p:nvPr/>
+        </p:nvSpPr>
+        <p:spPr bwMode="auto">
+          <a:xfrm>
+            <a:off x="387350" y="642938"/>
+            <a:ext cx="9286875" cy="2714625"/>
+          </a:xfrm>
+          <a:prstGeom prst="rect">
+            <a:avLst/>
+          </a:prstGeom>
+          <a:noFill/>
+          <a:ln w="9525">
+            <a:solidFill>
+              <a:schemeClr val="accent1"/>
+            </a:solidFill>
+            <a:miter lim="800000"/>
+            <a:headEnd/>
+            <a:tailEnd/>
+          </a:ln>
+        </p:spPr>
+        <p:txBody>
+          <a:bodyPr/>
+          <a:lstStyle/>
+          <a:p>
             <a:pPr algn="l" rtl="0">
               <a:defRPr/>
             </a:pPr>
@@ -11435,8 +12425,8 @@
           <a:p>
             <a:pPr algn="l" rtl="0"/>
             <a:r>
-              <a:rPr lang="en-US" sz="2400"/>
-              <a:t>Where, </a:t>
+              <a:rPr lang="en-US" sz="2400" dirty="0"/>
+              <a:t>Where, CPs is the given items  </a:t>
             </a:r>
           </a:p>
         </p:txBody>
@@ -11484,7 +12474,7 @@
         <p:grpSpPr bwMode="auto">
           <a:xfrm>
             <a:off x="1238250" y="3929063"/>
-            <a:ext cx="8048625" cy="2143125"/>
+            <a:ext cx="8048625" cy="1804193"/>
             <a:chOff x="1142976" y="3929066"/>
             <a:chExt cx="6858048" cy="1343025"/>
           </a:xfrm>
@@ -11562,7 +12552,7 @@
 </p:sld>
 </file>
 
-<file path=ppt/slides/slide18.xml><?xml version="1.0" encoding="utf-8"?>
+<file path=ppt/slides/slide19.xml><?xml version="1.0" encoding="utf-8"?>
 <p:sld xmlns:a="http://schemas.openxmlformats.org/drawingml/2006/main" xmlns:r="http://schemas.openxmlformats.org/officeDocument/2006/relationships" xmlns:p="http://schemas.openxmlformats.org/presentationml/2006/main">
   <p:cSld>
     <p:spTree>
@@ -11610,14 +12600,14 @@
                   <a:srgbClr val="FF0000"/>
                 </a:solidFill>
               </a:rPr>
-              <a:t>Cost Estimation Models</a:t>
-            </a:r>
-          </a:p>
-        </p:txBody>
-      </p:sp>
-      <p:sp>
-        <p:nvSpPr>
-          <p:cNvPr id="50179" name="Footer Placeholder 4"/>
+              <a:t>Cost Estimation Model ii example </a:t>
+            </a:r>
+          </a:p>
+        </p:txBody>
+      </p:sp>
+      <p:sp>
+        <p:nvSpPr>
+          <p:cNvPr id="48131" name="Footer Placeholder 4"/>
           <p:cNvSpPr>
             <a:spLocks noGrp="1"/>
           </p:cNvSpPr>
@@ -11646,7 +12636,7 @@
       </p:sp>
       <p:sp>
         <p:nvSpPr>
-          <p:cNvPr id="50180" name="Slide Number Placeholder 5"/>
+          <p:cNvPr id="48132" name="Slide Number Placeholder 5"/>
           <p:cNvSpPr>
             <a:spLocks noGrp="1"/>
           </p:cNvSpPr>
@@ -11666,10 +12656,450 @@
           <a:bodyPr/>
           <a:lstStyle/>
           <a:p>
+            <a:fld id="{2709DBAA-890A-4D45-9D73-00A9B953E2C5}" type="slidenum">
+              <a:rPr lang="ar-SA" smtClean="0"/>
+              <a:pPr/>
+              <a:t>19</a:t>
+            </a:fld>
+            <a:endParaRPr lang="en-US"/>
+          </a:p>
+        </p:txBody>
+      </p:sp>
+      <p:sp>
+        <p:nvSpPr>
+          <p:cNvPr id="21" name="Content Placeholder 1"/>
+          <p:cNvSpPr txBox="1">
+            <a:spLocks/>
+          </p:cNvSpPr>
+          <p:nvPr/>
+        </p:nvSpPr>
+        <p:spPr bwMode="auto">
+          <a:xfrm>
+            <a:off x="387350" y="642938"/>
+            <a:ext cx="9286875" cy="2714625"/>
+          </a:xfrm>
+          <a:prstGeom prst="rect">
+            <a:avLst/>
+          </a:prstGeom>
+          <a:noFill/>
+          <a:ln w="9525">
+            <a:solidFill>
+              <a:schemeClr val="accent1"/>
+            </a:solidFill>
+            <a:miter lim="800000"/>
+            <a:headEnd/>
+            <a:tailEnd/>
+          </a:ln>
+        </p:spPr>
+        <p:txBody>
+          <a:bodyPr/>
+          <a:lstStyle/>
+          <a:p>
+            <a:pPr algn="l" rtl="0"/>
+            <a:r>
+              <a:rPr lang="en-US" sz="1600" dirty="0">
+                <a:cs typeface="Arial" charset="0"/>
+              </a:rPr>
+              <a:t>Example:</a:t>
+            </a:r>
+          </a:p>
+          <a:p>
+            <a:pPr algn="l" rtl="0"/>
+            <a:r>
+              <a:rPr lang="en-US" sz="1600" dirty="0">
+                <a:cs typeface="Arial" charset="0"/>
+              </a:rPr>
+              <a:t>Assume that the annual maintenance cost of a 10-passenger vehicle is</a:t>
+            </a:r>
+          </a:p>
+          <a:p>
+            <a:pPr algn="l" rtl="0"/>
+            <a:r>
+              <a:rPr lang="en-US" sz="1600" dirty="0">
+                <a:cs typeface="Arial" charset="0"/>
+              </a:rPr>
+              <a:t>$1,000. Estimate the annual maintenance cost of a similar 20-passenger vehicle</a:t>
+            </a:r>
+          </a:p>
+          <a:p>
+            <a:pPr algn="l" rtl="0"/>
+            <a:r>
+              <a:rPr lang="en-US" sz="1600" dirty="0">
+                <a:cs typeface="Arial" charset="0"/>
+              </a:rPr>
+              <a:t>if the value of the cost capacity factor is 0.7.</a:t>
+            </a:r>
+          </a:p>
+          <a:p>
+            <a:pPr algn="l" rtl="0"/>
+            <a:r>
+              <a:rPr lang="en-US" sz="1600" i="1" dirty="0">
+                <a:latin typeface="AGaramond-Italic"/>
+                <a:cs typeface="Arial" charset="0"/>
+              </a:rPr>
+              <a:t>C </a:t>
+            </a:r>
+            <a:r>
+              <a:rPr lang="en-US" sz="800" i="1" dirty="0">
+                <a:latin typeface="AGaramond-Italic"/>
+                <a:cs typeface="Arial" charset="0"/>
+              </a:rPr>
+              <a:t>d </a:t>
+            </a:r>
+            <a:r>
+              <a:rPr lang="en-US" sz="1600" i="1" dirty="0">
+                <a:latin typeface="Symbol" pitchFamily="18" charset="2"/>
+                <a:cs typeface="Arial" charset="0"/>
+              </a:rPr>
+              <a:t>=</a:t>
+            </a:r>
+            <a:r>
+              <a:rPr lang="en-US" sz="1600" dirty="0">
+                <a:latin typeface="AGaramond-Regular"/>
+                <a:cs typeface="Arial" charset="0"/>
+              </a:rPr>
+              <a:t>1624.5 $</a:t>
+            </a:r>
+            <a:endParaRPr lang="en-US" sz="1600" dirty="0">
+              <a:cs typeface="Arial" charset="0"/>
+            </a:endParaRPr>
+          </a:p>
+        </p:txBody>
+      </p:sp>
+      <p:pic>
+        <p:nvPicPr>
+          <p:cNvPr id="48135" name="Picture 2"/>
+          <p:cNvPicPr>
+            <a:picLocks noChangeAspect="1" noChangeArrowheads="1"/>
+          </p:cNvPicPr>
+          <p:nvPr/>
+        </p:nvPicPr>
+        <p:blipFill>
+          <a:blip r:embed="rId3"/>
+          <a:srcRect/>
+          <a:stretch>
+            <a:fillRect/>
+          </a:stretch>
+        </p:blipFill>
+        <p:spPr bwMode="auto">
+          <a:xfrm>
+            <a:off x="3008784" y="1844824"/>
+            <a:ext cx="2692400" cy="1162050"/>
+          </a:xfrm>
+          <a:prstGeom prst="rect">
+            <a:avLst/>
+          </a:prstGeom>
+          <a:noFill/>
+          <a:ln w="9525">
+            <a:noFill/>
+            <a:miter lim="800000"/>
+            <a:headEnd/>
+            <a:tailEnd/>
+          </a:ln>
+        </p:spPr>
+      </p:pic>
+    </p:spTree>
+    <p:extLst>
+      <p:ext uri="{BB962C8B-B14F-4D97-AF65-F5344CB8AC3E}">
+        <p14:creationId xmlns:p14="http://schemas.microsoft.com/office/powerpoint/2010/main" val="2230773635"/>
+      </p:ext>
+    </p:extLst>
+  </p:cSld>
+  <p:clrMapOvr>
+    <a:masterClrMapping/>
+  </p:clrMapOvr>
+</p:sld>
+</file>
+
+<file path=ppt/slides/slide2.xml><?xml version="1.0" encoding="utf-8"?>
+<p:sld xmlns:a="http://schemas.openxmlformats.org/drawingml/2006/main" xmlns:r="http://schemas.openxmlformats.org/officeDocument/2006/relationships" xmlns:p="http://schemas.openxmlformats.org/presentationml/2006/main">
+  <p:cSld>
+    <p:spTree>
+      <p:nvGrpSpPr>
+        <p:cNvPr id="1" name=""/>
+        <p:cNvGrpSpPr/>
+        <p:nvPr/>
+      </p:nvGrpSpPr>
+      <p:grpSpPr>
+        <a:xfrm>
+          <a:off x="0" y="0"/>
+          <a:ext cx="0" cy="0"/>
+          <a:chOff x="0" y="0"/>
+          <a:chExt cx="0" cy="0"/>
+        </a:xfrm>
+      </p:grpSpPr>
+      <p:sp>
+        <p:nvSpPr>
+          <p:cNvPr id="17411" name="Slide Number Placeholder 5"/>
+          <p:cNvSpPr>
+            <a:spLocks noGrp="1"/>
+          </p:cNvSpPr>
+          <p:nvPr>
+            <p:ph type="sldNum" sz="quarter" idx="12"/>
+          </p:nvPr>
+        </p:nvSpPr>
+        <p:spPr bwMode="auto">
+          <a:noFill/>
+          <a:ln>
+            <a:miter lim="800000"/>
+            <a:headEnd/>
+            <a:tailEnd/>
+          </a:ln>
+        </p:spPr>
+        <p:txBody>
+          <a:bodyPr/>
+          <a:lstStyle/>
+          <a:p>
+            <a:fld id="{3A223173-99D4-4E98-B7C0-03C8B5D4969C}" type="slidenum">
+              <a:rPr lang="ar-SA" smtClean="0"/>
+              <a:pPr/>
+              <a:t>2</a:t>
+            </a:fld>
+            <a:endParaRPr lang="en-US"/>
+          </a:p>
+        </p:txBody>
+      </p:sp>
+      <p:sp>
+        <p:nvSpPr>
+          <p:cNvPr id="40962" name="Rectangle 2"/>
+          <p:cNvSpPr>
+            <a:spLocks noGrp="1"/>
+          </p:cNvSpPr>
+          <p:nvPr>
+            <p:ph type="title" idx="4294967295"/>
+          </p:nvPr>
+        </p:nvSpPr>
+        <p:spPr bwMode="auto">
+          <a:xfrm>
+            <a:off x="464691" y="0"/>
+            <a:ext cx="9401095" cy="785794"/>
+          </a:xfrm>
+        </p:spPr>
+        <p:txBody>
+          <a:bodyPr wrap="square" lIns="91440" tIns="45720" rIns="91440" bIns="45720" numCol="1" anchorCtr="0" compatLnSpc="1">
+            <a:prstTxWarp prst="textNoShape">
+              <a:avLst/>
+            </a:prstTxWarp>
+            <a:normAutofit fontScale="90000"/>
+          </a:bodyPr>
+          <a:lstStyle/>
+          <a:p>
+            <a:pPr>
+              <a:defRPr/>
+            </a:pPr>
+            <a:r>
+              <a:rPr lang="en-US" sz="3200" b="0" u="sng" dirty="0">
+                <a:solidFill>
+                  <a:schemeClr val="accent2"/>
+                </a:solidFill>
+                <a:effectLst/>
+                <a:latin typeface="Arial" charset="0"/>
+                <a:cs typeface="Arial" charset="0"/>
+              </a:rPr>
+              <a:t>Management of Engineering Design</a:t>
+            </a:r>
+            <a:br>
+              <a:rPr lang="en-US" sz="3200" b="0" u="sng" dirty="0">
+                <a:solidFill>
+                  <a:schemeClr val="accent2"/>
+                </a:solidFill>
+                <a:effectLst/>
+                <a:latin typeface="Arial" charset="0"/>
+                <a:cs typeface="Arial" charset="0"/>
+              </a:rPr>
+            </a:br>
+            <a:r>
+              <a:rPr lang="en-US" sz="3200" b="0" u="sng" dirty="0">
+                <a:solidFill>
+                  <a:schemeClr val="accent2"/>
+                </a:solidFill>
+                <a:effectLst/>
+                <a:latin typeface="Arial" charset="0"/>
+                <a:cs typeface="Arial" charset="0"/>
+              </a:rPr>
+              <a:t>and Product Costing</a:t>
+            </a:r>
+          </a:p>
+        </p:txBody>
+      </p:sp>
+      <p:sp>
+        <p:nvSpPr>
+          <p:cNvPr id="17413" name="Rectangle 3"/>
+          <p:cNvSpPr>
+            <a:spLocks noGrp="1"/>
+          </p:cNvSpPr>
+          <p:nvPr>
+            <p:ph type="body" idx="4294967295"/>
+          </p:nvPr>
+        </p:nvSpPr>
+        <p:spPr>
+          <a:xfrm>
+            <a:off x="387350" y="1000125"/>
+            <a:ext cx="9209088" cy="5357813"/>
+          </a:xfrm>
+          <a:ln>
+            <a:solidFill>
+              <a:srgbClr val="0000FF"/>
+            </a:solidFill>
+          </a:ln>
+        </p:spPr>
+        <p:txBody>
+          <a:bodyPr/>
+          <a:lstStyle/>
+          <a:p>
+            <a:r>
+              <a:rPr lang="en-US" sz="2400">
+                <a:cs typeface="Arial" charset="0"/>
+              </a:rPr>
+              <a:t>Each new engineering product sold is designed within general guidelines such as meeting customer requirements and keeping the product’s selling price within the buying power of the customers.</a:t>
+            </a:r>
+          </a:p>
+          <a:p>
+            <a:r>
+              <a:rPr lang="en-US" sz="2400">
+                <a:cs typeface="Arial" charset="0"/>
+              </a:rPr>
+              <a:t>It means the design of the product must be managed in such a manner that all the necessary design guidelines and other related factors are effectively satisfied.</a:t>
+            </a:r>
+          </a:p>
+          <a:p>
+            <a:r>
+              <a:rPr lang="en-US" sz="2400">
+                <a:cs typeface="Arial" charset="0"/>
+              </a:rPr>
+              <a:t>product costing has become very important to management because an engineering company will venture into developing a new product only if it will generate an acceptable level of profit.</a:t>
+            </a:r>
+          </a:p>
+          <a:p>
+            <a:r>
+              <a:rPr lang="en-US" sz="2400">
+                <a:cs typeface="Arial" charset="0"/>
+              </a:rPr>
+              <a:t>Hence, the cost of various aspects associated with the product  must be estimated with care.</a:t>
+            </a:r>
+            <a:endParaRPr lang="en-US" sz="2400">
+              <a:latin typeface="Times New Roman" pitchFamily="18" charset="0"/>
+              <a:cs typeface="Times New Roman" pitchFamily="18" charset="0"/>
+            </a:endParaRPr>
+          </a:p>
+        </p:txBody>
+      </p:sp>
+    </p:spTree>
+  </p:cSld>
+  <p:clrMapOvr>
+    <a:masterClrMapping/>
+  </p:clrMapOvr>
+</p:sld>
+</file>
+
+<file path=ppt/slides/slide20.xml><?xml version="1.0" encoding="utf-8"?>
+<p:sld xmlns:a="http://schemas.openxmlformats.org/drawingml/2006/main" xmlns:r="http://schemas.openxmlformats.org/officeDocument/2006/relationships" xmlns:p="http://schemas.openxmlformats.org/presentationml/2006/main">
+  <p:cSld>
+    <p:spTree>
+      <p:nvGrpSpPr>
+        <p:cNvPr id="1" name=""/>
+        <p:cNvGrpSpPr/>
+        <p:nvPr/>
+      </p:nvGrpSpPr>
+      <p:grpSpPr>
+        <a:xfrm>
+          <a:off x="0" y="0"/>
+          <a:ext cx="0" cy="0"/>
+          <a:chOff x="0" y="0"/>
+          <a:chExt cx="0" cy="0"/>
+        </a:xfrm>
+      </p:grpSpPr>
+      <p:sp>
+        <p:nvSpPr>
+          <p:cNvPr id="3" name="Title 2"/>
+          <p:cNvSpPr>
+            <a:spLocks noGrp="1"/>
+          </p:cNvSpPr>
+          <p:nvPr>
+            <p:ph type="title"/>
+          </p:nvPr>
+        </p:nvSpPr>
+        <p:spPr>
+          <a:xfrm>
+            <a:off x="309388" y="142852"/>
+            <a:ext cx="8915014" cy="439718"/>
+          </a:xfrm>
+        </p:spPr>
+        <p:txBody>
+          <a:bodyPr>
+            <a:noAutofit/>
+          </a:bodyPr>
+          <a:lstStyle/>
+          <a:p>
+            <a:pPr>
+              <a:defRPr/>
+            </a:pPr>
+            <a:r>
+              <a:rPr lang="en-US" sz="3200" u="sng" dirty="0">
+                <a:solidFill>
+                  <a:srgbClr val="FF0000"/>
+                </a:solidFill>
+              </a:rPr>
+              <a:t>Cost Estimation Models</a:t>
+            </a:r>
+          </a:p>
+        </p:txBody>
+      </p:sp>
+      <p:sp>
+        <p:nvSpPr>
+          <p:cNvPr id="50179" name="Footer Placeholder 4"/>
+          <p:cNvSpPr>
+            <a:spLocks noGrp="1"/>
+          </p:cNvSpPr>
+          <p:nvPr>
+            <p:ph type="ftr" sz="quarter" idx="11"/>
+          </p:nvPr>
+        </p:nvSpPr>
+        <p:spPr bwMode="auto">
+          <a:noFill/>
+          <a:ln>
+            <a:miter lim="800000"/>
+            <a:headEnd/>
+            <a:tailEnd/>
+          </a:ln>
+        </p:spPr>
+        <p:txBody>
+          <a:bodyPr/>
+          <a:lstStyle/>
+          <a:p>
+            <a:r>
+              <a:rPr lang="en-US"/>
+              <a:t>Engineering Management 8</a:t>
+            </a:r>
+          </a:p>
+        </p:txBody>
+      </p:sp>
+      <p:sp>
+        <p:nvSpPr>
+          <p:cNvPr id="50180" name="Slide Number Placeholder 5"/>
+          <p:cNvSpPr>
+            <a:spLocks noGrp="1"/>
+          </p:cNvSpPr>
+          <p:nvPr>
+            <p:ph type="sldNum" sz="quarter" idx="12"/>
+          </p:nvPr>
+        </p:nvSpPr>
+        <p:spPr bwMode="auto">
+          <a:noFill/>
+          <a:ln>
+            <a:miter lim="800000"/>
+            <a:headEnd/>
+            <a:tailEnd/>
+          </a:ln>
+        </p:spPr>
+        <p:txBody>
+          <a:bodyPr/>
+          <a:lstStyle/>
+          <a:p>
             <a:fld id="{5C21DC26-34E0-4D95-8B80-DF3749AF836C}" type="slidenum">
               <a:rPr lang="ar-SA" smtClean="0"/>
               <a:pPr/>
-              <a:t>18</a:t>
+              <a:t>20</a:t>
             </a:fld>
             <a:endParaRPr lang="en-US"/>
           </a:p>
@@ -11717,7 +13147,7 @@
 </p:sld>
 </file>
 
-<file path=ppt/slides/slide2.xml><?xml version="1.0" encoding="utf-8"?>
+<file path=ppt/slides/slide21.xml><?xml version="1.0" encoding="utf-8"?>
 <p:sld xmlns:a="http://schemas.openxmlformats.org/drawingml/2006/main" xmlns:r="http://schemas.openxmlformats.org/officeDocument/2006/relationships" xmlns:p="http://schemas.openxmlformats.org/presentationml/2006/main">
   <p:cSld>
     <p:spTree>
@@ -11736,12 +13166,115 @@
       </p:grpSpPr>
       <p:sp>
         <p:nvSpPr>
-          <p:cNvPr id="17411" name="Slide Number Placeholder 5"/>
-          <p:cNvSpPr>
-            <a:spLocks noGrp="1"/>
-          </p:cNvSpPr>
-          <p:nvPr>
-            <p:ph type="sldNum" sz="quarter" idx="12"/>
+          <p:cNvPr id="2" name="Content Placeholder 1">
+            <a:extLst>
+              <a:ext uri="{FF2B5EF4-FFF2-40B4-BE49-F238E27FC236}">
+                <a16:creationId xmlns:a16="http://schemas.microsoft.com/office/drawing/2014/main" id="{AA5D3491-4687-8DB9-496F-FC56D57D0F51}"/>
+              </a:ext>
+            </a:extLst>
+          </p:cNvPr>
+          <p:cNvSpPr>
+            <a:spLocks noGrp="1"/>
+          </p:cNvSpPr>
+          <p:nvPr>
+            <p:ph sz="half" idx="1"/>
+          </p:nvPr>
+        </p:nvSpPr>
+        <p:spPr>
+          <a:xfrm>
+            <a:off x="1064568" y="332656"/>
+            <a:ext cx="7479792" cy="4572000"/>
+          </a:xfrm>
+        </p:spPr>
+        <p:txBody>
+          <a:bodyPr/>
+          <a:lstStyle/>
+          <a:p>
+            <a:r>
+              <a:rPr lang="en-US" sz="3200" u="sng" dirty="0">
+                <a:solidFill>
+                  <a:srgbClr val="FF0000"/>
+                </a:solidFill>
+              </a:rPr>
+              <a:t>Cost Estimation Model iii example </a:t>
+            </a:r>
+          </a:p>
+          <a:p>
+            <a:pPr marL="109537" indent="0" algn="l" rtl="0">
+              <a:buNone/>
+            </a:pPr>
+            <a:r>
+              <a:rPr lang="en-US" sz="2000" dirty="0">
+                <a:cs typeface="Arial" charset="0"/>
+              </a:rPr>
+              <a:t>Example 5.4</a:t>
+            </a:r>
+          </a:p>
+          <a:p>
+            <a:pPr marL="109537" indent="0" algn="l" rtl="0">
+              <a:buNone/>
+            </a:pPr>
+            <a:r>
+              <a:rPr lang="en-US" sz="2000" dirty="0">
+                <a:cs typeface="Arial" charset="0"/>
+              </a:rPr>
+              <a:t>Assume a 30-horsepower ac motor is operated for 3,000 hours annually. The</a:t>
+            </a:r>
+          </a:p>
+          <a:p>
+            <a:pPr marL="109537" indent="0" algn="l" rtl="0">
+              <a:buNone/>
+            </a:pPr>
+            <a:r>
+              <a:rPr lang="en-US" sz="2000" dirty="0">
+                <a:cs typeface="Arial" charset="0"/>
+              </a:rPr>
+              <a:t>motor efficiency and the estimated cost of electricity are 80% and 3 cents per</a:t>
+            </a:r>
+          </a:p>
+          <a:p>
+            <a:pPr marL="109537" indent="0" algn="l" rtl="0">
+              <a:buNone/>
+            </a:pPr>
+            <a:r>
+              <a:rPr lang="en-US" sz="2000" dirty="0">
+                <a:cs typeface="Arial" charset="0"/>
+              </a:rPr>
+              <a:t>kilowatt-hour, respectively. Calculate the annual cost of operating the motor.</a:t>
+            </a:r>
+          </a:p>
+          <a:p>
+            <a:pPr marL="109537" indent="0" algn="l" rtl="0">
+              <a:buNone/>
+            </a:pPr>
+            <a:endParaRPr lang="en-US" sz="2000" dirty="0">
+              <a:cs typeface="Arial" charset="0"/>
+            </a:endParaRPr>
+          </a:p>
+          <a:p>
+            <a:pPr marL="109537" indent="0" algn="l" rtl="0">
+              <a:buNone/>
+            </a:pPr>
+            <a:r>
+              <a:rPr lang="en-US" sz="2000" dirty="0">
+                <a:cs typeface="Arial" charset="0"/>
+              </a:rPr>
+              <a:t>The annual cost of operating the motor is $2,517.75.</a:t>
+            </a:r>
+          </a:p>
+          <a:p>
+            <a:endParaRPr lang="en-US" sz="1600" dirty="0"/>
+          </a:p>
+        </p:txBody>
+      </p:sp>
+      <p:sp>
+        <p:nvSpPr>
+          <p:cNvPr id="50179" name="Footer Placeholder 4"/>
+          <p:cNvSpPr>
+            <a:spLocks noGrp="1"/>
+          </p:cNvSpPr>
+          <p:nvPr>
+            <p:ph type="ftr" sz="quarter" idx="11"/>
           </p:nvPr>
         </p:nvSpPr>
         <p:spPr bwMode="auto">
@@ -11756,141 +13289,50 @@
           <a:bodyPr/>
           <a:lstStyle/>
           <a:p>
-            <a:fld id="{3A223173-99D4-4E98-B7C0-03C8B5D4969C}" type="slidenum">
+            <a:r>
+              <a:rPr lang="en-US"/>
+              <a:t>Engineering Management 8</a:t>
+            </a:r>
+          </a:p>
+        </p:txBody>
+      </p:sp>
+      <p:sp>
+        <p:nvSpPr>
+          <p:cNvPr id="50180" name="Slide Number Placeholder 5"/>
+          <p:cNvSpPr>
+            <a:spLocks noGrp="1"/>
+          </p:cNvSpPr>
+          <p:nvPr>
+            <p:ph type="sldNum" sz="quarter" idx="12"/>
+          </p:nvPr>
+        </p:nvSpPr>
+        <p:spPr bwMode="auto">
+          <a:noFill/>
+          <a:ln>
+            <a:miter lim="800000"/>
+            <a:headEnd/>
+            <a:tailEnd/>
+          </a:ln>
+        </p:spPr>
+        <p:txBody>
+          <a:bodyPr/>
+          <a:lstStyle/>
+          <a:p>
+            <a:fld id="{5C21DC26-34E0-4D95-8B80-DF3749AF836C}" type="slidenum">
               <a:rPr lang="ar-SA" smtClean="0"/>
               <a:pPr/>
-              <a:t>2</a:t>
+              <a:t>21</a:t>
             </a:fld>
             <a:endParaRPr lang="en-US"/>
           </a:p>
         </p:txBody>
       </p:sp>
-      <p:sp>
-        <p:nvSpPr>
-          <p:cNvPr id="40962" name="Rectangle 2"/>
-          <p:cNvSpPr>
-            <a:spLocks noGrp="1"/>
-          </p:cNvSpPr>
-          <p:nvPr>
-            <p:ph type="title" idx="4294967295"/>
-          </p:nvPr>
-        </p:nvSpPr>
-        <p:spPr bwMode="auto">
-          <a:xfrm>
-            <a:off x="464691" y="0"/>
-            <a:ext cx="9401095" cy="785794"/>
-          </a:xfrm>
-        </p:spPr>
-        <p:txBody>
-          <a:bodyPr wrap="square" lIns="91440" tIns="45720" rIns="91440" bIns="45720" numCol="1" anchorCtr="0" compatLnSpc="1">
-            <a:prstTxWarp prst="textNoShape">
-              <a:avLst/>
-            </a:prstTxWarp>
-            <a:normAutofit fontScale="90000"/>
-          </a:bodyPr>
-          <a:lstStyle/>
-          <a:p>
-            <a:pPr>
-              <a:defRPr/>
-            </a:pPr>
-            <a:r>
-              <a:rPr lang="en-US" sz="3200" b="0" u="sng" dirty="0">
-                <a:solidFill>
-                  <a:schemeClr val="accent2"/>
-                </a:solidFill>
-                <a:effectLst/>
-                <a:latin typeface="Arial" charset="0"/>
-                <a:cs typeface="Arial" charset="0"/>
-              </a:rPr>
-              <a:t>Management of Engineering Design</a:t>
-            </a:r>
-            <a:br>
-              <a:rPr lang="en-US" sz="3200" b="0" u="sng" dirty="0">
-                <a:solidFill>
-                  <a:schemeClr val="accent2"/>
-                </a:solidFill>
-                <a:effectLst/>
-                <a:latin typeface="Arial" charset="0"/>
-                <a:cs typeface="Arial" charset="0"/>
-              </a:rPr>
-            </a:br>
-            <a:r>
-              <a:rPr lang="en-US" sz="3200" b="0" u="sng" dirty="0">
-                <a:solidFill>
-                  <a:schemeClr val="accent2"/>
-                </a:solidFill>
-                <a:effectLst/>
-                <a:latin typeface="Arial" charset="0"/>
-                <a:cs typeface="Arial" charset="0"/>
-              </a:rPr>
-              <a:t>and Product Costing</a:t>
-            </a:r>
-          </a:p>
-        </p:txBody>
-      </p:sp>
-      <p:sp>
-        <p:nvSpPr>
-          <p:cNvPr id="17413" name="Rectangle 3"/>
-          <p:cNvSpPr>
-            <a:spLocks noGrp="1"/>
-          </p:cNvSpPr>
-          <p:nvPr>
-            <p:ph type="body" idx="4294967295"/>
-          </p:nvPr>
-        </p:nvSpPr>
-        <p:spPr>
-          <a:xfrm>
-            <a:off x="387350" y="1000125"/>
-            <a:ext cx="9209088" cy="5357813"/>
-          </a:xfrm>
-          <a:ln>
-            <a:solidFill>
-              <a:srgbClr val="0000FF"/>
-            </a:solidFill>
-          </a:ln>
-        </p:spPr>
-        <p:txBody>
-          <a:bodyPr/>
-          <a:lstStyle/>
-          <a:p>
-            <a:r>
-              <a:rPr lang="en-US" sz="2400">
-                <a:cs typeface="Arial" charset="0"/>
-              </a:rPr>
-              <a:t>Each new engineering product sold is designed within general guidelines such as meeting customer requirements and keeping the product’s selling price within the buying power of the customers.</a:t>
-            </a:r>
-          </a:p>
-          <a:p>
-            <a:r>
-              <a:rPr lang="en-US" sz="2400">
-                <a:cs typeface="Arial" charset="0"/>
-              </a:rPr>
-              <a:t>It means the design of the product must be managed in such a manner that all the necessary design guidelines and other related factors are effectively satisfied.</a:t>
-            </a:r>
-          </a:p>
-          <a:p>
-            <a:r>
-              <a:rPr lang="en-US" sz="2400">
-                <a:cs typeface="Arial" charset="0"/>
-              </a:rPr>
-              <a:t>product costing has become very important to management because an engineering company will venture into developing a new product only if it will generate an acceptable level of profit.</a:t>
-            </a:r>
-          </a:p>
-          <a:p>
-            <a:r>
-              <a:rPr lang="en-US" sz="2400">
-                <a:cs typeface="Arial" charset="0"/>
-              </a:rPr>
-              <a:t>Hence, the cost of various aspects associated with the product  must be estimated with care.</a:t>
-            </a:r>
-            <a:endParaRPr lang="en-US" sz="2400">
-              <a:latin typeface="Times New Roman" pitchFamily="18" charset="0"/>
-              <a:cs typeface="Times New Roman" pitchFamily="18" charset="0"/>
-            </a:endParaRPr>
-          </a:p>
-        </p:txBody>
-      </p:sp>
     </p:spTree>
+    <p:extLst>
+      <p:ext uri="{BB962C8B-B14F-4D97-AF65-F5344CB8AC3E}">
+        <p14:creationId xmlns:p14="http://schemas.microsoft.com/office/powerpoint/2010/main" val="3102022505"/>
+      </p:ext>
+    </p:extLst>
   </p:cSld>
   <p:clrMapOvr>
     <a:masterClrMapping/>
